--- a/2019/II.  React/2.4 PropTypes, Synthetic Event, Ref/Презентация 2.4 PropTypes event ref.pptx
+++ b/2019/II.  React/2.4 PropTypes, Synthetic Event, Ref/Презентация 2.4 PropTypes event ref.pptx
@@ -21814,7 +21814,7 @@
         <p:spPr>
           <a:xfrm>
             <a:off x="294608" y="954334"/>
-            <a:ext cx="4875900" cy="3882586"/>
+            <a:ext cx="4974816" cy="3882586"/>
           </a:xfrm>
           <a:prstGeom prst="rect">
             <a:avLst/>
@@ -21884,7 +21884,7 @@
               </a:lnSpc>
             </a:pPr>
             <a:r>
-              <a:rPr lang="ru-RU" dirty="0">
+              <a:rPr lang="ru-RU" dirty="0" err="1">
                 <a:solidFill>
                   <a:schemeClr val="dk1"/>
                 </a:solidFill>
@@ -21893,10 +21893,10 @@
                 <a:cs typeface="Tahoma"/>
                 <a:sym typeface="Tahoma"/>
               </a:rPr>
-              <a:t>Познакомиться со встроенной типизацией </a:t>
-            </a:r>
-            <a:r>
-              <a:rPr lang="en-US" dirty="0">
+              <a:t>Валидировать</a:t>
+            </a:r>
+            <a:r>
+              <a:rPr lang="ru-RU" dirty="0">
                 <a:solidFill>
                   <a:schemeClr val="dk1"/>
                 </a:solidFill>
@@ -21905,8 +21905,15 @@
                 <a:cs typeface="Tahoma"/>
                 <a:sym typeface="Tahoma"/>
               </a:rPr>
-              <a:t>react</a:t>
-            </a:r>
+              <a:t> пропс</a:t>
+            </a:r>
+          </a:p>
+          <a:p>
+            <a:pPr>
+              <a:lnSpc>
+                <a:spcPct val="150000"/>
+              </a:lnSpc>
+            </a:pPr>
             <a:r>
               <a:rPr lang="ru-RU" dirty="0">
                 <a:solidFill>
@@ -21917,7 +21924,81 @@
                 <a:cs typeface="Tahoma"/>
                 <a:sym typeface="Tahoma"/>
               </a:rPr>
-              <a:t>.</a:t>
+              <a:t>Значения по умолчанию для пропс</a:t>
+            </a:r>
+          </a:p>
+          <a:p>
+            <a:pPr>
+              <a:lnSpc>
+                <a:spcPct val="150000"/>
+              </a:lnSpc>
+            </a:pPr>
+            <a:r>
+              <a:rPr lang="ru-RU" dirty="0">
+                <a:solidFill>
+                  <a:schemeClr val="dk1"/>
+                </a:solidFill>
+                <a:latin typeface="Tahoma"/>
+                <a:ea typeface="Tahoma"/>
+                <a:cs typeface="Tahoma"/>
+                <a:sym typeface="Tahoma"/>
+              </a:rPr>
+              <a:t>Разобраться в особенностях работы с </a:t>
+            </a:r>
+            <a:r>
+              <a:rPr lang="en-US" dirty="0">
+                <a:solidFill>
+                  <a:schemeClr val="dk1"/>
+                </a:solidFill>
+                <a:latin typeface="Tahoma"/>
+                <a:ea typeface="Tahoma"/>
+                <a:cs typeface="Tahoma"/>
+                <a:sym typeface="Tahoma"/>
+              </a:rPr>
+              <a:t>event  </a:t>
+            </a:r>
+            <a:r>
+              <a:rPr lang="ru-RU" dirty="0">
+                <a:solidFill>
+                  <a:schemeClr val="dk1"/>
+                </a:solidFill>
+                <a:latin typeface="Tahoma"/>
+                <a:ea typeface="Tahoma"/>
+                <a:cs typeface="Tahoma"/>
+                <a:sym typeface="Tahoma"/>
+              </a:rPr>
+              <a:t>в </a:t>
+            </a:r>
+            <a:r>
+              <a:rPr lang="en-US" dirty="0">
+                <a:solidFill>
+                  <a:schemeClr val="dk1"/>
+                </a:solidFill>
+                <a:latin typeface="Tahoma"/>
+                <a:ea typeface="Tahoma"/>
+                <a:cs typeface="Tahoma"/>
+                <a:sym typeface="Tahoma"/>
+              </a:rPr>
+              <a:t>react</a:t>
+            </a:r>
+          </a:p>
+          <a:p>
+            <a:pPr>
+              <a:lnSpc>
+                <a:spcPct val="150000"/>
+              </a:lnSpc>
+            </a:pPr>
+            <a:r>
+              <a:rPr lang="ru-RU" dirty="0">
+                <a:solidFill>
+                  <a:schemeClr val="dk1"/>
+                </a:solidFill>
+                <a:latin typeface="Tahoma"/>
+                <a:ea typeface="Tahoma"/>
+                <a:cs typeface="Tahoma"/>
+                <a:sym typeface="Tahoma"/>
+              </a:rPr>
+              <a:t>Научиться писать ссылки на компоненты</a:t>
             </a:r>
           </a:p>
           <a:p>
@@ -21987,7 +22068,7 @@
                 <a:cs typeface="Tahoma"/>
                 <a:sym typeface="Tahoma"/>
               </a:rPr>
-              <a:t>Освоить базовые типы</a:t>
+              <a:t>Научиться лучше контролировать применение компонента через описание требований к пропс</a:t>
             </a:r>
           </a:p>
           <a:p>
@@ -22006,17 +22087,10 @@
                 <a:cs typeface="Tahoma"/>
                 <a:sym typeface="Tahoma"/>
               </a:rPr>
-              <a:t>Освоить комбинированные типы</a:t>
-            </a:r>
-          </a:p>
-          <a:p>
-            <a:pPr>
-              <a:lnSpc>
-                <a:spcPct val="150000"/>
-              </a:lnSpc>
-            </a:pPr>
-            <a:r>
-              <a:rPr lang="ru-RU" dirty="0">
+              <a:t>Понять как работать с </a:t>
+            </a:r>
+            <a:r>
+              <a:rPr lang="en-US" dirty="0">
                 <a:solidFill>
                   <a:schemeClr val="dk1"/>
                 </a:solidFill>
@@ -22025,10 +22099,10 @@
                 <a:cs typeface="Tahoma"/>
                 <a:sym typeface="Tahoma"/>
               </a:rPr>
-              <a:t>Освоить  </a:t>
-            </a:r>
-            <a:r>
-              <a:rPr lang="en-US" dirty="0">
+              <a:t>event </a:t>
+            </a:r>
+            <a:r>
+              <a:rPr lang="ru-RU" dirty="0" err="1">
                 <a:solidFill>
                   <a:schemeClr val="dk1"/>
                 </a:solidFill>
@@ -22037,24 +22111,8 @@
                 <a:cs typeface="Tahoma"/>
                 <a:sym typeface="Tahoma"/>
               </a:rPr>
-              <a:t>ref</a:t>
-            </a:r>
-            <a:endParaRPr lang="ru-RU" dirty="0">
-              <a:solidFill>
-                <a:schemeClr val="dk1"/>
-              </a:solidFill>
-              <a:latin typeface="Tahoma"/>
-              <a:ea typeface="Tahoma"/>
-              <a:cs typeface="Tahoma"/>
-              <a:sym typeface="Tahoma"/>
-            </a:endParaRPr>
-          </a:p>
-          <a:p>
-            <a:pPr>
-              <a:lnSpc>
-                <a:spcPct val="150000"/>
-              </a:lnSpc>
-            </a:pPr>
+              <a:t>кроссбраузерно</a:t>
+            </a:r>
             <a:endParaRPr lang="ru-RU" dirty="0">
               <a:solidFill>
                 <a:schemeClr val="dk1"/>
@@ -22294,7 +22352,7 @@
         </p:blipFill>
         <p:spPr>
           <a:xfrm>
-            <a:off x="5324030" y="1267715"/>
+            <a:off x="5556505" y="1267715"/>
             <a:ext cx="2435552" cy="2435552"/>
           </a:xfrm>
           <a:prstGeom prst="rect">
